--- a/Slides/smt21.pptx
+++ b/Slides/smt21.pptx
@@ -219,7 +219,7 @@
   <inkml:trace contextRef="#ctx0" brushRef="#br0" timeOffset="114857">26900 12183 24575,'0'25'0,"0"11"0,0 0 0,0 5 0,0-9 0,0 10 0,0-7 0,0 7 0,0-8 0,0 2 0,0-2 0,0 0 0,0 0 0,0 0 0,0 15 0,0-43 0,-9-16 0,-2-13 0,-5-4 0,2 0 0,-8 1 0,7 4 0,-5 2 0,12 9 0,3 10 0,4 4 0,20 29 0,-7-9 0,8 6 0,-1 1 0,-5-4 0,6 8 0,-8-11 0,-4-12 0,1 4 0,-4-12 0,1 0 0,34-53 0,-1-4 0,-12 17 0,0-1 0,-7 5 0,-1 2 0,9-13 0,-4 7 0,-6 7 0,-8 15 0,-7 9 0,-3 2 0,0 2 0</inkml:trace>
   <inkml:trace contextRef="#ctx0" brushRef="#br0" timeOffset="162132">4596 16521 24575,'0'33'0,"0"-18"0,0 18 0,0-18 0,0 3 0,0-2 0,0-4 0,0 0 0,0-5 0,0 4 0,0-5 0,0 0 0,0 14 0,0-7 0,0 9 0,0-7 0,0-7 0,0 4 0,0-6 0,0 0 0,-2-3 0,-1-1 0,-3-2 0,0 0 0,1-2 0,-4-4 0,6-1 0,-12-4 0,7 3 0,-13-7 0,6 7 0,-1-1 0,7 4 0,3 1 0,5 4 0,7 6 0,4 3 0,5 4 0,-5-4 0,-1-3 0,3 6 0,-4-4 0,10 10 0,-11-14 0,5 7 0,-7-10 0,1 1 0,11-5 0,-5-3 0,9-2 0,-2-7 0,-1 4 0,-1-2 0,-3 4 0,-7 3 0,2 2 0,-3-1 0,0 4 0,-3-1 0,0 2 0</inkml:trace>
   <inkml:trace contextRef="#ctx0" brushRef="#br0" timeOffset="164267">5246 16510 24575,'0'28'0,"0"-10"0,0 15 0,0-1 0,0-12 0,0 9 0,0-12 0,0 15 0,0-14 0,0 16 0,0-20 0,0-2 0,0-3 0,-3-6 0,-9-6 0,-1-4 0,-7-6 0,-5 0 0,13 3 0,-6 1 0,12 3 0,5 2 0,4 5 0,4 5 0,4 3 0,-4 4 0,5 2 0,-5-5 0,2 7 0,-1-9 0,-1 0 0,7-5 0,-7-3 0,5 0 0,-6 0 0,0 0 0,6-9 0,21-18 0,-11 9 0,14-15 0,-14 17 0,-2 2 0,0-2 0,-8 10 0,-9 3 0</inkml:trace>
-  <inkml:trace contextRef="#ctx0" brushRef="#br0" timeOffset="434611">5463 15376 24575,'0'0'0</inkml:trace>
+  <inkml:trace contextRef="#ctx0" brushRef="#br0" timeOffset="5114.27">5463 15376 24575,'0'0'0</inkml:trace>
 </inkml:ink>
 </file>
 
@@ -530,7 +530,7 @@
           <a:p>
             <a:fld id="{A5EC08F4-70F0-B94E-AB10-935034FC2DE7}" type="datetimeFigureOut">
               <a:rPr lang="en-US" smtClean="0"/>
-              <a:t>9/7/21</a:t>
+              <a:t>9/9/21</a:t>
             </a:fld>
             <a:endParaRPr lang="en-US"/>
           </a:p>
@@ -728,7 +728,7 @@
           <a:p>
             <a:fld id="{A5EC08F4-70F0-B94E-AB10-935034FC2DE7}" type="datetimeFigureOut">
               <a:rPr lang="en-US" smtClean="0"/>
-              <a:t>9/7/21</a:t>
+              <a:t>9/9/21</a:t>
             </a:fld>
             <a:endParaRPr lang="en-US"/>
           </a:p>
@@ -936,7 +936,7 @@
           <a:p>
             <a:fld id="{A5EC08F4-70F0-B94E-AB10-935034FC2DE7}" type="datetimeFigureOut">
               <a:rPr lang="en-US" smtClean="0"/>
-              <a:t>9/7/21</a:t>
+              <a:t>9/9/21</a:t>
             </a:fld>
             <a:endParaRPr lang="en-US"/>
           </a:p>
@@ -1134,7 +1134,7 @@
           <a:p>
             <a:fld id="{A5EC08F4-70F0-B94E-AB10-935034FC2DE7}" type="datetimeFigureOut">
               <a:rPr lang="en-US" smtClean="0"/>
-              <a:t>9/7/21</a:t>
+              <a:t>9/9/21</a:t>
             </a:fld>
             <a:endParaRPr lang="en-US"/>
           </a:p>
@@ -1409,7 +1409,7 @@
           <a:p>
             <a:fld id="{A5EC08F4-70F0-B94E-AB10-935034FC2DE7}" type="datetimeFigureOut">
               <a:rPr lang="en-US" smtClean="0"/>
-              <a:t>9/7/21</a:t>
+              <a:t>9/9/21</a:t>
             </a:fld>
             <a:endParaRPr lang="en-US"/>
           </a:p>
@@ -1674,7 +1674,7 @@
           <a:p>
             <a:fld id="{A5EC08F4-70F0-B94E-AB10-935034FC2DE7}" type="datetimeFigureOut">
               <a:rPr lang="en-US" smtClean="0"/>
-              <a:t>9/7/21</a:t>
+              <a:t>9/9/21</a:t>
             </a:fld>
             <a:endParaRPr lang="en-US"/>
           </a:p>
@@ -2086,7 +2086,7 @@
           <a:p>
             <a:fld id="{A5EC08F4-70F0-B94E-AB10-935034FC2DE7}" type="datetimeFigureOut">
               <a:rPr lang="en-US" smtClean="0"/>
-              <a:t>9/7/21</a:t>
+              <a:t>9/9/21</a:t>
             </a:fld>
             <a:endParaRPr lang="en-US"/>
           </a:p>
@@ -2227,7 +2227,7 @@
           <a:p>
             <a:fld id="{A5EC08F4-70F0-B94E-AB10-935034FC2DE7}" type="datetimeFigureOut">
               <a:rPr lang="en-US" smtClean="0"/>
-              <a:t>9/7/21</a:t>
+              <a:t>9/9/21</a:t>
             </a:fld>
             <a:endParaRPr lang="en-US"/>
           </a:p>
@@ -2340,7 +2340,7 @@
           <a:p>
             <a:fld id="{A5EC08F4-70F0-B94E-AB10-935034FC2DE7}" type="datetimeFigureOut">
               <a:rPr lang="en-US" smtClean="0"/>
-              <a:t>9/7/21</a:t>
+              <a:t>9/9/21</a:t>
             </a:fld>
             <a:endParaRPr lang="en-US"/>
           </a:p>
@@ -2651,7 +2651,7 @@
           <a:p>
             <a:fld id="{A5EC08F4-70F0-B94E-AB10-935034FC2DE7}" type="datetimeFigureOut">
               <a:rPr lang="en-US" smtClean="0"/>
-              <a:t>9/7/21</a:t>
+              <a:t>9/9/21</a:t>
             </a:fld>
             <a:endParaRPr lang="en-US"/>
           </a:p>
@@ -2939,7 +2939,7 @@
           <a:p>
             <a:fld id="{A5EC08F4-70F0-B94E-AB10-935034FC2DE7}" type="datetimeFigureOut">
               <a:rPr lang="en-US" smtClean="0"/>
-              <a:t>9/7/21</a:t>
+              <a:t>9/9/21</a:t>
             </a:fld>
             <a:endParaRPr lang="en-US"/>
           </a:p>
@@ -3180,7 +3180,7 @@
           <a:p>
             <a:fld id="{A5EC08F4-70F0-B94E-AB10-935034FC2DE7}" type="datetimeFigureOut">
               <a:rPr lang="en-US" smtClean="0"/>
-              <a:t>9/7/21</a:t>
+              <a:t>9/9/21</a:t>
             </a:fld>
             <a:endParaRPr lang="en-US"/>
           </a:p>
@@ -3740,8 +3740,8 @@
           </a:p>
         </p:txBody>
       </p:sp>
-      <mc:AlternateContent xmlns:mc="http://schemas.openxmlformats.org/markup-compatibility/2006">
-        <mc:Choice xmlns:a14="http://schemas.microsoft.com/office/drawing/2010/main" Requires="a14">
+      <mc:AlternateContent xmlns:mc="http://schemas.openxmlformats.org/markup-compatibility/2006" xmlns:a14="http://schemas.microsoft.com/office/drawing/2010/main">
+        <mc:Choice Requires="a14">
           <p:sp>
             <p:nvSpPr>
               <p:cNvPr id="5" name="Content Placeholder 5">
@@ -4256,7 +4256,7 @@
             </p:txBody>
           </p:sp>
         </mc:Choice>
-        <mc:Fallback>
+        <mc:Fallback xmlns="">
           <p:sp>
             <p:nvSpPr>
               <p:cNvPr id="5" name="Content Placeholder 5">
@@ -4301,8 +4301,8 @@
           </p:sp>
         </mc:Fallback>
       </mc:AlternateContent>
-      <mc:AlternateContent xmlns:mc="http://schemas.openxmlformats.org/markup-compatibility/2006">
-        <mc:Choice xmlns:a14="http://schemas.microsoft.com/office/drawing/2010/main" Requires="a14">
+      <mc:AlternateContent xmlns:mc="http://schemas.openxmlformats.org/markup-compatibility/2006" xmlns:a14="http://schemas.microsoft.com/office/drawing/2010/main">
+        <mc:Choice Requires="a14">
           <p:graphicFrame>
             <p:nvGraphicFramePr>
               <p:cNvPr id="6" name="Table 5">
@@ -4875,7 +4875,7 @@
             </a:graphic>
           </p:graphicFrame>
         </mc:Choice>
-        <mc:Fallback>
+        <mc:Fallback xmlns="">
           <p:graphicFrame>
             <p:nvGraphicFramePr>
               <p:cNvPr id="6" name="Table 5">
@@ -5242,8 +5242,8 @@
           </p:graphicFrame>
         </mc:Fallback>
       </mc:AlternateContent>
-      <mc:AlternateContent xmlns:mc="http://schemas.openxmlformats.org/markup-compatibility/2006">
-        <mc:Choice xmlns:a14="http://schemas.microsoft.com/office/drawing/2010/main" Requires="a14">
+      <mc:AlternateContent xmlns:mc="http://schemas.openxmlformats.org/markup-compatibility/2006" xmlns:a14="http://schemas.microsoft.com/office/drawing/2010/main">
+        <mc:Choice Requires="a14">
           <p:sp>
             <p:nvSpPr>
               <p:cNvPr id="7" name="Content Placeholder 5">
@@ -6011,7 +6011,7 @@
             </p:txBody>
           </p:sp>
         </mc:Choice>
-        <mc:Fallback>
+        <mc:Fallback xmlns="">
           <p:sp>
             <p:nvSpPr>
               <p:cNvPr id="7" name="Content Placeholder 5">
@@ -6056,8 +6056,8 @@
           </p:sp>
         </mc:Fallback>
       </mc:AlternateContent>
-      <mc:AlternateContent xmlns:mc="http://schemas.openxmlformats.org/markup-compatibility/2006">
-        <mc:Choice xmlns:a14="http://schemas.microsoft.com/office/drawing/2010/main" Requires="a14">
+      <mc:AlternateContent xmlns:mc="http://schemas.openxmlformats.org/markup-compatibility/2006" xmlns:a14="http://schemas.microsoft.com/office/drawing/2010/main">
+        <mc:Choice Requires="a14">
           <p:sp>
             <p:nvSpPr>
               <p:cNvPr id="8" name="TextBox 7">
@@ -6128,7 +6128,7 @@
             </p:txBody>
           </p:sp>
         </mc:Choice>
-        <mc:Fallback>
+        <mc:Fallback xmlns="">
           <p:sp>
             <p:nvSpPr>
               <p:cNvPr id="8" name="TextBox 7">
@@ -6173,8 +6173,8 @@
           </p:sp>
         </mc:Fallback>
       </mc:AlternateContent>
-      <mc:AlternateContent xmlns:mc="http://schemas.openxmlformats.org/markup-compatibility/2006">
-        <mc:Choice xmlns:p14="http://schemas.microsoft.com/office/powerpoint/2010/main" Requires="p14">
+      <mc:AlternateContent xmlns:mc="http://schemas.openxmlformats.org/markup-compatibility/2006" xmlns:p14="http://schemas.microsoft.com/office/powerpoint/2010/main">
+        <mc:Choice Requires="p14">
           <p:contentPart p14:bwMode="auto" r:id="rId6">
             <p14:nvContentPartPr>
               <p14:cNvPr id="9" name="Ink 8">
@@ -6193,7 +6193,7 @@
             </p14:xfrm>
           </p:contentPart>
         </mc:Choice>
-        <mc:Fallback>
+        <mc:Fallback xmlns="">
           <p:pic>
             <p:nvPicPr>
               <p:cNvPr id="9" name="Ink 8">
@@ -7067,8 +7067,8 @@
           </p:sp>
         </mc:Fallback>
       </mc:AlternateContent>
-      <mc:AlternateContent xmlns:mc="http://schemas.openxmlformats.org/markup-compatibility/2006">
-        <mc:Choice xmlns:p14="http://schemas.microsoft.com/office/powerpoint/2010/main" Requires="p14">
+      <mc:AlternateContent xmlns:mc="http://schemas.openxmlformats.org/markup-compatibility/2006" xmlns:p14="http://schemas.microsoft.com/office/powerpoint/2010/main">
+        <mc:Choice Requires="p14">
           <p:contentPart p14:bwMode="auto" r:id="rId3">
             <p14:nvContentPartPr>
               <p14:cNvPr id="3" name="Ink 2">
@@ -7087,7 +7087,7 @@
             </p14:xfrm>
           </p:contentPart>
         </mc:Choice>
-        <mc:Fallback>
+        <mc:Fallback xmlns="">
           <p:pic>
             <p:nvPicPr>
               <p:cNvPr id="3" name="Ink 2">
@@ -7148,8 +7148,8 @@
           <a:chExt cx="0" cy="0"/>
         </a:xfrm>
       </p:grpSpPr>
-      <mc:AlternateContent xmlns:mc="http://schemas.openxmlformats.org/markup-compatibility/2006">
-        <mc:Choice xmlns:a14="http://schemas.microsoft.com/office/drawing/2010/main" Requires="a14">
+      <mc:AlternateContent xmlns:mc="http://schemas.openxmlformats.org/markup-compatibility/2006" xmlns:a14="http://schemas.microsoft.com/office/drawing/2010/main">
+        <mc:Choice Requires="a14">
           <p:sp>
             <p:nvSpPr>
               <p:cNvPr id="4" name="Title 3">
@@ -7219,7 +7219,7 @@
             </p:txBody>
           </p:sp>
         </mc:Choice>
-        <mc:Fallback>
+        <mc:Fallback xmlns="">
           <p:sp>
             <p:nvSpPr>
               <p:cNvPr id="4" name="Title 3">
@@ -7345,8 +7345,8 @@
           </a:p>
         </p:txBody>
       </p:sp>
-      <mc:AlternateContent xmlns:mc="http://schemas.openxmlformats.org/markup-compatibility/2006">
-        <mc:Choice xmlns:a14="http://schemas.microsoft.com/office/drawing/2010/main" Requires="a14">
+      <mc:AlternateContent xmlns:mc="http://schemas.openxmlformats.org/markup-compatibility/2006" xmlns:a14="http://schemas.microsoft.com/office/drawing/2010/main">
+        <mc:Choice Requires="a14">
           <p:sp>
             <p:nvSpPr>
               <p:cNvPr id="5" name="Content Placeholder 4">
@@ -8164,19 +8164,7 @@
                           <a:rPr lang="en-US" i="1">
                             <a:latin typeface="Cambria Math" panose="02040503050406030204" pitchFamily="18" charset="0"/>
                           </a:rPr>
-                          <m:t>1</m:t>
-                        </m:r>
-                        <m:r>
-                          <a:rPr lang="en-US" i="1">
-                            <a:latin typeface="Cambria Math" panose="02040503050406030204" pitchFamily="18" charset="0"/>
-                          </a:rPr>
-                          <m:t>,</m:t>
-                        </m:r>
-                        <m:r>
-                          <a:rPr lang="en-US" i="1">
-                            <a:latin typeface="Cambria Math" panose="02040503050406030204" pitchFamily="18" charset="0"/>
-                          </a:rPr>
-                          <m:t>2,..,− </m:t>
+                          <m:t>1,2,..,− </m:t>
                         </m:r>
                       </m:e>
                     </m:d>
@@ -8339,14 +8327,7 @@
                         <a:latin typeface="Cambria Math" panose="02040503050406030204" pitchFamily="18" charset="0"/>
                         <a:ea typeface="Cambria Math" panose="02040503050406030204" pitchFamily="18" charset="0"/>
                       </a:rPr>
-                      <m:t>≷</m:t>
-                    </m:r>
-                    <m:r>
-                      <a:rPr lang="en-US" i="1">
-                        <a:latin typeface="Cambria Math" panose="02040503050406030204" pitchFamily="18" charset="0"/>
-                        <a:ea typeface="Cambria Math" panose="02040503050406030204" pitchFamily="18" charset="0"/>
-                      </a:rPr>
-                      <m:t>∈</m:t>
+                      <m:t>≷∈</m:t>
                     </m:r>
                     <m:d>
                       <m:dPr>
@@ -8377,7 +8358,7 @@
             </p:txBody>
           </p:sp>
         </mc:Choice>
-        <mc:Fallback>
+        <mc:Fallback xmlns="">
           <p:sp>
             <p:nvSpPr>
               <p:cNvPr id="5" name="Content Placeholder 4">
@@ -8421,8 +8402,8 @@
           </p:sp>
         </mc:Fallback>
       </mc:AlternateContent>
-      <mc:AlternateContent xmlns:mc="http://schemas.openxmlformats.org/markup-compatibility/2006">
-        <mc:Choice xmlns:p14="http://schemas.microsoft.com/office/powerpoint/2010/main" Requires="p14">
+      <mc:AlternateContent xmlns:mc="http://schemas.openxmlformats.org/markup-compatibility/2006" xmlns:p14="http://schemas.microsoft.com/office/powerpoint/2010/main">
+        <mc:Choice Requires="p14">
           <p:contentPart p14:bwMode="auto" r:id="rId3">
             <p14:nvContentPartPr>
               <p14:cNvPr id="2" name="Ink 1">
@@ -8441,7 +8422,7 @@
             </p14:xfrm>
           </p:contentPart>
         </mc:Choice>
-        <mc:Fallback>
+        <mc:Fallback xmlns="">
           <p:pic>
             <p:nvPicPr>
               <p:cNvPr id="2" name="Ink 1">
@@ -9099,8 +9080,8 @@
           </a:p>
         </p:txBody>
       </p:sp>
-      <mc:AlternateContent xmlns:mc="http://schemas.openxmlformats.org/markup-compatibility/2006">
-        <mc:Choice xmlns:a14="http://schemas.microsoft.com/office/drawing/2010/main" Requires="a14">
+      <mc:AlternateContent xmlns:mc="http://schemas.openxmlformats.org/markup-compatibility/2006" xmlns:a14="http://schemas.microsoft.com/office/drawing/2010/main">
+        <mc:Choice Requires="a14">
           <p:sp>
             <p:nvSpPr>
               <p:cNvPr id="3" name="Content Placeholder 2">
@@ -9567,7 +9548,7 @@
             </p:txBody>
           </p:sp>
         </mc:Choice>
-        <mc:Fallback>
+        <mc:Fallback xmlns="">
           <p:sp>
             <p:nvSpPr>
               <p:cNvPr id="3" name="Content Placeholder 2">
@@ -9607,8 +9588,8 @@
           </p:sp>
         </mc:Fallback>
       </mc:AlternateContent>
-      <mc:AlternateContent xmlns:mc="http://schemas.openxmlformats.org/markup-compatibility/2006">
-        <mc:Choice xmlns:p14="http://schemas.microsoft.com/office/powerpoint/2010/main" Requires="p14">
+      <mc:AlternateContent xmlns:mc="http://schemas.openxmlformats.org/markup-compatibility/2006" xmlns:p14="http://schemas.microsoft.com/office/powerpoint/2010/main">
+        <mc:Choice Requires="p14">
           <p:contentPart p14:bwMode="auto" r:id="rId3">
             <p14:nvContentPartPr>
               <p14:cNvPr id="4" name="Ink 3">
@@ -9627,7 +9608,7 @@
             </p14:xfrm>
           </p:contentPart>
         </mc:Choice>
-        <mc:Fallback>
+        <mc:Fallback xmlns="">
           <p:pic>
             <p:nvPicPr>
               <p:cNvPr id="4" name="Ink 3">
@@ -9723,8 +9704,8 @@
           </a:p>
         </p:txBody>
       </p:sp>
-      <mc:AlternateContent xmlns:mc="http://schemas.openxmlformats.org/markup-compatibility/2006">
-        <mc:Choice xmlns:a14="http://schemas.microsoft.com/office/drawing/2010/main" Requires="a14">
+      <mc:AlternateContent xmlns:mc="http://schemas.openxmlformats.org/markup-compatibility/2006" xmlns:a14="http://schemas.microsoft.com/office/drawing/2010/main">
+        <mc:Choice Requires="a14">
           <p:sp>
             <p:nvSpPr>
               <p:cNvPr id="3" name="Content Placeholder 2">
@@ -10625,7 +10606,7 @@
             </p:txBody>
           </p:sp>
         </mc:Choice>
-        <mc:Fallback>
+        <mc:Fallback xmlns="">
           <p:sp>
             <p:nvSpPr>
               <p:cNvPr id="3" name="Content Placeholder 2">
@@ -12725,8 +12706,8 @@
           </a:p>
         </p:txBody>
       </p:sp>
-      <mc:AlternateContent xmlns:mc="http://schemas.openxmlformats.org/markup-compatibility/2006">
-        <mc:Choice xmlns:a14="http://schemas.microsoft.com/office/drawing/2010/main" Requires="a14">
+      <mc:AlternateContent xmlns:mc="http://schemas.openxmlformats.org/markup-compatibility/2006" xmlns:a14="http://schemas.microsoft.com/office/drawing/2010/main">
+        <mc:Choice Requires="a14">
           <p:sp>
             <p:nvSpPr>
               <p:cNvPr id="3" name="Content Placeholder 2">
@@ -12823,19 +12804,7 @@
                             <a:rPr lang="en-US" i="1">
                               <a:latin typeface="Cambria Math" panose="02040503050406030204" pitchFamily="18" charset="0"/>
                             </a:rPr>
-                            <m:t>1</m:t>
-                          </m:r>
-                          <m:r>
-                            <a:rPr lang="en-US" i="1">
-                              <a:latin typeface="Cambria Math" panose="02040503050406030204" pitchFamily="18" charset="0"/>
-                            </a:rPr>
-                            <m:t>,</m:t>
-                          </m:r>
-                          <m:r>
-                            <a:rPr lang="en-US" i="1">
-                              <a:latin typeface="Cambria Math" panose="02040503050406030204" pitchFamily="18" charset="0"/>
-                            </a:rPr>
-                            <m:t>2,..,− </m:t>
+                            <m:t>1,2,..,− </m:t>
                           </m:r>
                         </m:e>
                       </m:d>
@@ -13034,14 +13003,7 @@
                         <a:latin typeface="Cambria Math" panose="02040503050406030204" pitchFamily="18" charset="0"/>
                         <a:ea typeface="Cambria Math" panose="02040503050406030204" pitchFamily="18" charset="0"/>
                       </a:rPr>
-                      <m:t>≷</m:t>
-                    </m:r>
-                    <m:r>
-                      <a:rPr lang="en-US" i="1">
-                        <a:latin typeface="Cambria Math" panose="02040503050406030204" pitchFamily="18" charset="0"/>
-                        <a:ea typeface="Cambria Math" panose="02040503050406030204" pitchFamily="18" charset="0"/>
-                      </a:rPr>
-                      <m:t>∈</m:t>
+                      <m:t>≷∈</m:t>
                     </m:r>
                     <m:d>
                       <m:dPr>
@@ -13326,7 +13288,7 @@
             </p:txBody>
           </p:sp>
         </mc:Choice>
-        <mc:Fallback>
+        <mc:Fallback xmlns="">
           <p:sp>
             <p:nvSpPr>
               <p:cNvPr id="3" name="Content Placeholder 2">
@@ -13424,8 +13386,8 @@
           </a:p>
         </p:txBody>
       </p:sp>
-      <mc:AlternateContent xmlns:mc="http://schemas.openxmlformats.org/markup-compatibility/2006">
-        <mc:Choice xmlns:a14="http://schemas.microsoft.com/office/drawing/2010/main" Requires="a14">
+      <mc:AlternateContent xmlns:mc="http://schemas.openxmlformats.org/markup-compatibility/2006" xmlns:a14="http://schemas.microsoft.com/office/drawing/2010/main">
+        <mc:Choice Requires="a14">
           <p:sp>
             <p:nvSpPr>
               <p:cNvPr id="3" name="Content Placeholder 2">
@@ -13748,7 +13710,7 @@
             </p:txBody>
           </p:sp>
         </mc:Choice>
-        <mc:Fallback>
+        <mc:Fallback xmlns="">
           <p:sp>
             <p:nvSpPr>
               <p:cNvPr id="3" name="Content Placeholder 2">
@@ -13848,8 +13810,8 @@
           </a:p>
         </p:txBody>
       </p:sp>
-      <mc:AlternateContent xmlns:mc="http://schemas.openxmlformats.org/markup-compatibility/2006">
-        <mc:Choice xmlns:a14="http://schemas.microsoft.com/office/drawing/2010/main" Requires="a14">
+      <mc:AlternateContent xmlns:mc="http://schemas.openxmlformats.org/markup-compatibility/2006" xmlns:a14="http://schemas.microsoft.com/office/drawing/2010/main">
+        <mc:Choice Requires="a14">
           <p:sp>
             <p:nvSpPr>
               <p:cNvPr id="3" name="Content Placeholder 2">
@@ -14770,7 +14732,7 @@
             </p:txBody>
           </p:sp>
         </mc:Choice>
-        <mc:Fallback>
+        <mc:Fallback xmlns="">
           <p:sp>
             <p:nvSpPr>
               <p:cNvPr id="3" name="Content Placeholder 2">
@@ -15483,8 +15445,8 @@
           <a:chExt cx="0" cy="0"/>
         </a:xfrm>
       </p:grpSpPr>
-      <mc:AlternateContent xmlns:mc="http://schemas.openxmlformats.org/markup-compatibility/2006">
-        <mc:Choice xmlns:a14="http://schemas.microsoft.com/office/drawing/2010/main" Requires="a14">
+      <mc:AlternateContent xmlns:mc="http://schemas.openxmlformats.org/markup-compatibility/2006" xmlns:a14="http://schemas.microsoft.com/office/drawing/2010/main">
+        <mc:Choice Requires="a14">
           <p:sp>
             <p:nvSpPr>
               <p:cNvPr id="3" name="Content Placeholder 2">
@@ -15624,7 +15586,7 @@
             </p:txBody>
           </p:sp>
         </mc:Choice>
-        <mc:Fallback>
+        <mc:Fallback xmlns="">
           <p:sp>
             <p:nvSpPr>
               <p:cNvPr id="3" name="Content Placeholder 2">
@@ -20186,8 +20148,8 @@
           </p:sp>
         </mc:Fallback>
       </mc:AlternateContent>
-      <mc:AlternateContent xmlns:mc="http://schemas.openxmlformats.org/markup-compatibility/2006">
-        <mc:Choice xmlns:a14="http://schemas.microsoft.com/office/drawing/2010/main" Requires="a14">
+      <mc:AlternateContent xmlns:mc="http://schemas.openxmlformats.org/markup-compatibility/2006" xmlns:a14="http://schemas.microsoft.com/office/drawing/2010/main">
+        <mc:Choice Requires="a14">
           <p:sp>
             <p:nvSpPr>
               <p:cNvPr id="22" name="Content Placeholder 2">
@@ -20697,7 +20659,7 @@
             </p:txBody>
           </p:sp>
         </mc:Choice>
-        <mc:Fallback>
+        <mc:Fallback xmlns="">
           <p:sp>
             <p:nvSpPr>
               <p:cNvPr id="22" name="Content Placeholder 2">
@@ -21437,8 +21399,8 @@
             <a:chExt cx="4806846" cy="3831291"/>
           </a:xfrm>
         </p:grpSpPr>
-        <mc:AlternateContent xmlns:mc="http://schemas.openxmlformats.org/markup-compatibility/2006">
-          <mc:Choice xmlns:a14="http://schemas.microsoft.com/office/drawing/2010/main" Requires="a14">
+        <mc:AlternateContent xmlns:mc="http://schemas.openxmlformats.org/markup-compatibility/2006" xmlns:a14="http://schemas.microsoft.com/office/drawing/2010/main">
+          <mc:Choice Requires="a14">
             <p:sp>
               <p:nvSpPr>
                 <p:cNvPr id="7" name="Oval 6">
@@ -21499,7 +21461,7 @@
               </p:txBody>
             </p:sp>
           </mc:Choice>
-          <mc:Fallback>
+          <mc:Fallback xmlns="">
             <p:sp>
               <p:nvSpPr>
                 <p:cNvPr id="7" name="Oval 6">
@@ -21564,8 +21526,8 @@
               <a:chExt cx="4473325" cy="3831291"/>
             </a:xfrm>
           </p:grpSpPr>
-          <mc:AlternateContent xmlns:mc="http://schemas.openxmlformats.org/markup-compatibility/2006">
-            <mc:Choice xmlns:a14="http://schemas.microsoft.com/office/drawing/2010/main" Requires="a14">
+          <mc:AlternateContent xmlns:mc="http://schemas.openxmlformats.org/markup-compatibility/2006" xmlns:a14="http://schemas.microsoft.com/office/drawing/2010/main">
+            <mc:Choice Requires="a14">
               <p:sp>
                 <p:nvSpPr>
                   <p:cNvPr id="5" name="Oval 4">
@@ -21626,7 +21588,7 @@
                 </p:txBody>
               </p:sp>
             </mc:Choice>
-            <mc:Fallback>
+            <mc:Fallback xmlns="">
               <p:sp>
                 <p:nvSpPr>
                   <p:cNvPr id="5" name="Oval 4">
@@ -21671,8 +21633,8 @@
               </p:sp>
             </mc:Fallback>
           </mc:AlternateContent>
-          <mc:AlternateContent xmlns:mc="http://schemas.openxmlformats.org/markup-compatibility/2006">
-            <mc:Choice xmlns:a14="http://schemas.microsoft.com/office/drawing/2010/main" Requires="a14">
+          <mc:AlternateContent xmlns:mc="http://schemas.openxmlformats.org/markup-compatibility/2006" xmlns:a14="http://schemas.microsoft.com/office/drawing/2010/main">
+            <mc:Choice Requires="a14">
               <p:sp>
                 <p:nvSpPr>
                   <p:cNvPr id="6" name="Oval 5">
@@ -21733,7 +21695,7 @@
                 </p:txBody>
               </p:sp>
             </mc:Choice>
-            <mc:Fallback>
+            <mc:Fallback xmlns="">
               <p:sp>
                 <p:nvSpPr>
                   <p:cNvPr id="6" name="Oval 5">
@@ -21778,8 +21740,8 @@
               </p:sp>
             </mc:Fallback>
           </mc:AlternateContent>
-          <mc:AlternateContent xmlns:mc="http://schemas.openxmlformats.org/markup-compatibility/2006">
-            <mc:Choice xmlns:a14="http://schemas.microsoft.com/office/drawing/2010/main" Requires="a14">
+          <mc:AlternateContent xmlns:mc="http://schemas.openxmlformats.org/markup-compatibility/2006" xmlns:a14="http://schemas.microsoft.com/office/drawing/2010/main">
+            <mc:Choice Requires="a14">
               <p:sp>
                 <p:nvSpPr>
                   <p:cNvPr id="8" name="Oval 7">
@@ -21840,7 +21802,7 @@
                 </p:txBody>
               </p:sp>
             </mc:Choice>
-            <mc:Fallback>
+            <mc:Fallback xmlns="">
               <p:sp>
                 <p:nvSpPr>
                   <p:cNvPr id="8" name="Oval 7">
@@ -22113,8 +22075,8 @@
               </a:fontRef>
             </p:style>
           </p:cxnSp>
-          <mc:AlternateContent xmlns:mc="http://schemas.openxmlformats.org/markup-compatibility/2006">
-            <mc:Choice xmlns:a14="http://schemas.microsoft.com/office/drawing/2010/main" Requires="a14">
+          <mc:AlternateContent xmlns:mc="http://schemas.openxmlformats.org/markup-compatibility/2006" xmlns:a14="http://schemas.microsoft.com/office/drawing/2010/main">
+            <mc:Choice Requires="a14">
               <p:sp>
                 <p:nvSpPr>
                   <p:cNvPr id="24" name="Rectangle 23">
@@ -22163,7 +22125,7 @@
                 </p:txBody>
               </p:sp>
             </mc:Choice>
-            <mc:Fallback>
+            <mc:Fallback xmlns="">
               <p:sp>
                 <p:nvSpPr>
                   <p:cNvPr id="24" name="Rectangle 23">
@@ -22208,8 +22170,8 @@
               </p:sp>
             </mc:Fallback>
           </mc:AlternateContent>
-          <mc:AlternateContent xmlns:mc="http://schemas.openxmlformats.org/markup-compatibility/2006">
-            <mc:Choice xmlns:a14="http://schemas.microsoft.com/office/drawing/2010/main" Requires="a14">
+          <mc:AlternateContent xmlns:mc="http://schemas.openxmlformats.org/markup-compatibility/2006" xmlns:a14="http://schemas.microsoft.com/office/drawing/2010/main">
+            <mc:Choice Requires="a14">
               <p:sp>
                 <p:nvSpPr>
                   <p:cNvPr id="25" name="Rectangle 24">
@@ -22264,7 +22226,7 @@
                 </p:txBody>
               </p:sp>
             </mc:Choice>
-            <mc:Fallback>
+            <mc:Fallback xmlns="">
               <p:sp>
                 <p:nvSpPr>
                   <p:cNvPr id="25" name="Rectangle 24">
@@ -22309,8 +22271,8 @@
               </p:sp>
             </mc:Fallback>
           </mc:AlternateContent>
-          <mc:AlternateContent xmlns:mc="http://schemas.openxmlformats.org/markup-compatibility/2006">
-            <mc:Choice xmlns:a14="http://schemas.microsoft.com/office/drawing/2010/main" Requires="a14">
+          <mc:AlternateContent xmlns:mc="http://schemas.openxmlformats.org/markup-compatibility/2006" xmlns:a14="http://schemas.microsoft.com/office/drawing/2010/main">
+            <mc:Choice Requires="a14">
               <p:sp>
                 <p:nvSpPr>
                   <p:cNvPr id="26" name="Rectangle 25">
@@ -22359,7 +22321,7 @@
                 </p:txBody>
               </p:sp>
             </mc:Choice>
-            <mc:Fallback>
+            <mc:Fallback xmlns="">
               <p:sp>
                 <p:nvSpPr>
                   <p:cNvPr id="26" name="Rectangle 25">
@@ -22452,8 +22414,8 @@
               </a:fontRef>
             </p:style>
           </p:cxnSp>
-          <mc:AlternateContent xmlns:mc="http://schemas.openxmlformats.org/markup-compatibility/2006">
-            <mc:Choice xmlns:a14="http://schemas.microsoft.com/office/drawing/2010/main" Requires="a14">
+          <mc:AlternateContent xmlns:mc="http://schemas.openxmlformats.org/markup-compatibility/2006" xmlns:a14="http://schemas.microsoft.com/office/drawing/2010/main">
+            <mc:Choice Requires="a14">
               <p:sp>
                 <p:nvSpPr>
                   <p:cNvPr id="30" name="Rectangle 29">
@@ -22502,7 +22464,7 @@
                 </p:txBody>
               </p:sp>
             </mc:Choice>
-            <mc:Fallback>
+            <mc:Fallback xmlns="">
               <p:sp>
                 <p:nvSpPr>
                   <p:cNvPr id="30" name="Rectangle 29">
@@ -22547,8 +22509,8 @@
               </p:sp>
             </mc:Fallback>
           </mc:AlternateContent>
-          <mc:AlternateContent xmlns:mc="http://schemas.openxmlformats.org/markup-compatibility/2006">
-            <mc:Choice xmlns:a14="http://schemas.microsoft.com/office/drawing/2010/main" Requires="a14">
+          <mc:AlternateContent xmlns:mc="http://schemas.openxmlformats.org/markup-compatibility/2006" xmlns:a14="http://schemas.microsoft.com/office/drawing/2010/main">
+            <mc:Choice Requires="a14">
               <p:sp>
                 <p:nvSpPr>
                   <p:cNvPr id="31" name="Rectangle 30">
@@ -22597,7 +22559,7 @@
                 </p:txBody>
               </p:sp>
             </mc:Choice>
-            <mc:Fallback>
+            <mc:Fallback xmlns="">
               <p:sp>
                 <p:nvSpPr>
                   <p:cNvPr id="31" name="Rectangle 30">
@@ -22690,8 +22652,8 @@
               </a:fontRef>
             </p:style>
           </p:cxnSp>
-          <mc:AlternateContent xmlns:mc="http://schemas.openxmlformats.org/markup-compatibility/2006">
-            <mc:Choice xmlns:a14="http://schemas.microsoft.com/office/drawing/2010/main" Requires="a14">
+          <mc:AlternateContent xmlns:mc="http://schemas.openxmlformats.org/markup-compatibility/2006" xmlns:a14="http://schemas.microsoft.com/office/drawing/2010/main">
+            <mc:Choice Requires="a14">
               <p:sp>
                 <p:nvSpPr>
                   <p:cNvPr id="36" name="Rectangle 35">
@@ -22740,7 +22702,7 @@
                 </p:txBody>
               </p:sp>
             </mc:Choice>
-            <mc:Fallback>
+            <mc:Fallback xmlns="">
               <p:sp>
                 <p:nvSpPr>
                   <p:cNvPr id="36" name="Rectangle 35">
@@ -22785,8 +22747,8 @@
               </p:sp>
             </mc:Fallback>
           </mc:AlternateContent>
-          <mc:AlternateContent xmlns:mc="http://schemas.openxmlformats.org/markup-compatibility/2006">
-            <mc:Choice xmlns:a14="http://schemas.microsoft.com/office/drawing/2010/main" Requires="a14">
+          <mc:AlternateContent xmlns:mc="http://schemas.openxmlformats.org/markup-compatibility/2006" xmlns:a14="http://schemas.microsoft.com/office/drawing/2010/main">
+            <mc:Choice Requires="a14">
               <p:sp>
                 <p:nvSpPr>
                   <p:cNvPr id="37" name="Rectangle 36">
@@ -22835,7 +22797,7 @@
                 </p:txBody>
               </p:sp>
             </mc:Choice>
-            <mc:Fallback>
+            <mc:Fallback xmlns="">
               <p:sp>
                 <p:nvSpPr>
                   <p:cNvPr id="37" name="Rectangle 36">
@@ -22882,8 +22844,8 @@
           </mc:AlternateContent>
         </p:grpSp>
       </p:grpSp>
-      <mc:AlternateContent xmlns:mc="http://schemas.openxmlformats.org/markup-compatibility/2006">
-        <mc:Choice xmlns:a14="http://schemas.microsoft.com/office/drawing/2010/main" Requires="a14">
+      <mc:AlternateContent xmlns:mc="http://schemas.openxmlformats.org/markup-compatibility/2006" xmlns:a14="http://schemas.microsoft.com/office/drawing/2010/main">
+        <mc:Choice Requires="a14">
           <p:sp>
             <p:nvSpPr>
               <p:cNvPr id="22" name="Content Placeholder 2">
@@ -24070,7 +24032,7 @@
             </p:txBody>
           </p:sp>
         </mc:Choice>
-        <mc:Fallback>
+        <mc:Fallback xmlns="">
           <p:sp>
             <p:nvSpPr>
               <p:cNvPr id="22" name="Content Placeholder 2">
@@ -24155,8 +24117,8 @@
               <a:chExt cx="4806846" cy="2012430"/>
             </a:xfrm>
           </p:grpSpPr>
-          <mc:AlternateContent xmlns:mc="http://schemas.openxmlformats.org/markup-compatibility/2006">
-            <mc:Choice xmlns:a14="http://schemas.microsoft.com/office/drawing/2010/main" Requires="a14">
+          <mc:AlternateContent xmlns:mc="http://schemas.openxmlformats.org/markup-compatibility/2006" xmlns:a14="http://schemas.microsoft.com/office/drawing/2010/main">
+            <mc:Choice Requires="a14">
               <p:sp>
                 <p:nvSpPr>
                   <p:cNvPr id="29" name="Oval 28">
@@ -24217,7 +24179,7 @@
                 </p:txBody>
               </p:sp>
             </mc:Choice>
-            <mc:Fallback>
+            <mc:Fallback xmlns="">
               <p:sp>
                 <p:nvSpPr>
                   <p:cNvPr id="29" name="Oval 28">
@@ -24282,8 +24244,8 @@
                 <a:chExt cx="4473325" cy="2012430"/>
               </a:xfrm>
             </p:grpSpPr>
-            <mc:AlternateContent xmlns:mc="http://schemas.openxmlformats.org/markup-compatibility/2006">
-              <mc:Choice xmlns:a14="http://schemas.microsoft.com/office/drawing/2010/main" Requires="a14">
+            <mc:AlternateContent xmlns:mc="http://schemas.openxmlformats.org/markup-compatibility/2006" xmlns:a14="http://schemas.microsoft.com/office/drawing/2010/main">
+              <mc:Choice Requires="a14">
                 <p:sp>
                   <p:nvSpPr>
                     <p:cNvPr id="34" name="Oval 33">
@@ -24344,7 +24306,7 @@
                   </p:txBody>
                 </p:sp>
               </mc:Choice>
-              <mc:Fallback>
+              <mc:Fallback xmlns="">
                 <p:sp>
                   <p:nvSpPr>
                     <p:cNvPr id="34" name="Oval 33">
@@ -24389,8 +24351,8 @@
                 </p:sp>
               </mc:Fallback>
             </mc:AlternateContent>
-            <mc:AlternateContent xmlns:mc="http://schemas.openxmlformats.org/markup-compatibility/2006">
-              <mc:Choice xmlns:a14="http://schemas.microsoft.com/office/drawing/2010/main" Requires="a14">
+            <mc:AlternateContent xmlns:mc="http://schemas.openxmlformats.org/markup-compatibility/2006" xmlns:a14="http://schemas.microsoft.com/office/drawing/2010/main">
+              <mc:Choice Requires="a14">
                 <p:sp>
                   <p:nvSpPr>
                     <p:cNvPr id="35" name="Oval 34">
@@ -24451,7 +24413,7 @@
                   </p:txBody>
                 </p:sp>
               </mc:Choice>
-              <mc:Fallback>
+              <mc:Fallback xmlns="">
                 <p:sp>
                   <p:nvSpPr>
                     <p:cNvPr id="35" name="Oval 34">
@@ -24632,8 +24594,8 @@
                 </a:fontRef>
               </p:style>
             </p:cxnSp>
-            <mc:AlternateContent xmlns:mc="http://schemas.openxmlformats.org/markup-compatibility/2006">
-              <mc:Choice xmlns:a14="http://schemas.microsoft.com/office/drawing/2010/main" Requires="a14">
+            <mc:AlternateContent xmlns:mc="http://schemas.openxmlformats.org/markup-compatibility/2006" xmlns:a14="http://schemas.microsoft.com/office/drawing/2010/main">
+              <mc:Choice Requires="a14">
                 <p:sp>
                   <p:nvSpPr>
                     <p:cNvPr id="44" name="Rectangle 43">
@@ -24682,7 +24644,7 @@
                   </p:txBody>
                 </p:sp>
               </mc:Choice>
-              <mc:Fallback>
+              <mc:Fallback xmlns="">
                 <p:sp>
                   <p:nvSpPr>
                     <p:cNvPr id="44" name="Rectangle 43">
@@ -24727,8 +24689,8 @@
                 </p:sp>
               </mc:Fallback>
             </mc:AlternateContent>
-            <mc:AlternateContent xmlns:mc="http://schemas.openxmlformats.org/markup-compatibility/2006">
-              <mc:Choice xmlns:a14="http://schemas.microsoft.com/office/drawing/2010/main" Requires="a14">
+            <mc:AlternateContent xmlns:mc="http://schemas.openxmlformats.org/markup-compatibility/2006" xmlns:a14="http://schemas.microsoft.com/office/drawing/2010/main">
+              <mc:Choice Requires="a14">
                 <p:sp>
                   <p:nvSpPr>
                     <p:cNvPr id="45" name="Rectangle 44">
@@ -24783,7 +24745,7 @@
                   </p:txBody>
                 </p:sp>
               </mc:Choice>
-              <mc:Fallback>
+              <mc:Fallback xmlns="">
                 <p:sp>
                   <p:nvSpPr>
                     <p:cNvPr id="45" name="Rectangle 44">
@@ -24828,8 +24790,8 @@
                 </p:sp>
               </mc:Fallback>
             </mc:AlternateContent>
-            <mc:AlternateContent xmlns:mc="http://schemas.openxmlformats.org/markup-compatibility/2006">
-              <mc:Choice xmlns:a14="http://schemas.microsoft.com/office/drawing/2010/main" Requires="a14">
+            <mc:AlternateContent xmlns:mc="http://schemas.openxmlformats.org/markup-compatibility/2006" xmlns:a14="http://schemas.microsoft.com/office/drawing/2010/main">
+              <mc:Choice Requires="a14">
                 <p:sp>
                   <p:nvSpPr>
                     <p:cNvPr id="46" name="Rectangle 45">
@@ -24878,7 +24840,7 @@
                   </p:txBody>
                 </p:sp>
               </mc:Choice>
-              <mc:Fallback>
+              <mc:Fallback xmlns="">
                 <p:sp>
                   <p:nvSpPr>
                     <p:cNvPr id="46" name="Rectangle 45">
@@ -24968,8 +24930,8 @@
                 </a:fontRef>
               </p:style>
             </p:cxnSp>
-            <mc:AlternateContent xmlns:mc="http://schemas.openxmlformats.org/markup-compatibility/2006">
-              <mc:Choice xmlns:a14="http://schemas.microsoft.com/office/drawing/2010/main" Requires="a14">
+            <mc:AlternateContent xmlns:mc="http://schemas.openxmlformats.org/markup-compatibility/2006" xmlns:a14="http://schemas.microsoft.com/office/drawing/2010/main">
+              <mc:Choice Requires="a14">
                 <p:sp>
                   <p:nvSpPr>
                     <p:cNvPr id="48" name="Rectangle 47">
@@ -25018,7 +24980,7 @@
                   </p:txBody>
                 </p:sp>
               </mc:Choice>
-              <mc:Fallback>
+              <mc:Fallback xmlns="">
                 <p:sp>
                   <p:nvSpPr>
                     <p:cNvPr id="48" name="Rectangle 47">
@@ -25065,8 +25027,8 @@
             </mc:AlternateContent>
           </p:grpSp>
         </p:grpSp>
-        <mc:AlternateContent xmlns:mc="http://schemas.openxmlformats.org/markup-compatibility/2006">
-          <mc:Choice xmlns:a14="http://schemas.microsoft.com/office/drawing/2010/main" Requires="a14">
+        <mc:AlternateContent xmlns:mc="http://schemas.openxmlformats.org/markup-compatibility/2006" xmlns:a14="http://schemas.microsoft.com/office/drawing/2010/main">
+          <mc:Choice Requires="a14">
             <p:sp>
               <p:nvSpPr>
                 <p:cNvPr id="54" name="Oval 53">
@@ -25127,7 +25089,7 @@
               </p:txBody>
             </p:sp>
           </mc:Choice>
-          <mc:Fallback>
+          <mc:Fallback xmlns="">
             <p:sp>
               <p:nvSpPr>
                 <p:cNvPr id="54" name="Oval 53">
@@ -25313,8 +25275,8 @@
           </p:style>
         </p:cxnSp>
       </p:grpSp>
-      <mc:AlternateContent xmlns:mc="http://schemas.openxmlformats.org/markup-compatibility/2006">
-        <mc:Choice xmlns:a14="http://schemas.microsoft.com/office/drawing/2010/main" Requires="a14">
+      <mc:AlternateContent xmlns:mc="http://schemas.openxmlformats.org/markup-compatibility/2006" xmlns:a14="http://schemas.microsoft.com/office/drawing/2010/main">
+        <mc:Choice Requires="a14">
           <p:sp>
             <p:nvSpPr>
               <p:cNvPr id="59" name="Rectangle 58">
@@ -25342,6 +25304,7 @@
               </a:bodyPr>
               <a:lstStyle/>
               <a:p>
+                <a:pPr/>
                 <a14:m>
                   <m:oMathPara xmlns:m="http://schemas.openxmlformats.org/officeDocument/2006/math">
                     <m:oMathParaPr>
@@ -25424,6 +25387,7 @@
                 <a:endParaRPr lang="en-US" b="0" dirty="0"/>
               </a:p>
               <a:p>
+                <a:pPr/>
                 <a14:m>
                   <m:oMathPara xmlns:m="http://schemas.openxmlformats.org/officeDocument/2006/math">
                     <m:oMathParaPr>
@@ -25512,6 +25476,7 @@
                 <a:endParaRPr lang="en-US" dirty="0"/>
               </a:p>
               <a:p>
+                <a:pPr/>
                 <a14:m>
                   <m:oMathPara xmlns:m="http://schemas.openxmlformats.org/officeDocument/2006/math">
                     <m:oMathParaPr>
@@ -25599,7 +25564,7 @@
             </p:txBody>
           </p:sp>
         </mc:Choice>
-        <mc:Fallback>
+        <mc:Fallback xmlns="">
           <p:sp>
             <p:nvSpPr>
               <p:cNvPr id="59" name="Rectangle 58">
@@ -34911,8 +34876,8 @@
           <a:chExt cx="0" cy="0"/>
         </a:xfrm>
       </p:grpSpPr>
-      <mc:AlternateContent xmlns:mc="http://schemas.openxmlformats.org/markup-compatibility/2006">
-        <mc:Choice xmlns:a14="http://schemas.microsoft.com/office/drawing/2010/main" Requires="a14">
+      <mc:AlternateContent xmlns:mc="http://schemas.openxmlformats.org/markup-compatibility/2006" xmlns:a14="http://schemas.microsoft.com/office/drawing/2010/main">
+        <mc:Choice Requires="a14">
           <p:sp>
             <p:nvSpPr>
               <p:cNvPr id="4" name="Title 3">
@@ -34979,7 +34944,7 @@
             </p:txBody>
           </p:sp>
         </mc:Choice>
-        <mc:Fallback>
+        <mc:Fallback xmlns="">
           <p:sp>
             <p:nvSpPr>
               <p:cNvPr id="4" name="Title 3">
@@ -35481,8 +35446,8 @@
           </a:p>
         </p:txBody>
       </p:sp>
-      <mc:AlternateContent xmlns:mc="http://schemas.openxmlformats.org/markup-compatibility/2006">
-        <mc:Choice xmlns:a14="http://schemas.microsoft.com/office/drawing/2010/main" Requires="a14">
+      <mc:AlternateContent xmlns:mc="http://schemas.openxmlformats.org/markup-compatibility/2006" xmlns:a14="http://schemas.microsoft.com/office/drawing/2010/main">
+        <mc:Choice Requires="a14">
           <p:sp>
             <p:nvSpPr>
               <p:cNvPr id="3" name="Content Placeholder 2">
@@ -36402,7 +36367,7 @@
             </p:txBody>
           </p:sp>
         </mc:Choice>
-        <mc:Fallback>
+        <mc:Fallback xmlns="">
           <p:sp>
             <p:nvSpPr>
               <p:cNvPr id="3" name="Content Placeholder 2">
@@ -36446,8 +36411,8 @@
           </p:sp>
         </mc:Fallback>
       </mc:AlternateContent>
-      <mc:AlternateContent xmlns:mc="http://schemas.openxmlformats.org/markup-compatibility/2006">
-        <mc:Choice xmlns:a14="http://schemas.microsoft.com/office/drawing/2010/main" Requires="a14">
+      <mc:AlternateContent xmlns:mc="http://schemas.openxmlformats.org/markup-compatibility/2006" xmlns:a14="http://schemas.microsoft.com/office/drawing/2010/main">
+        <mc:Choice Requires="a14">
           <p:sp>
             <p:nvSpPr>
               <p:cNvPr id="5" name="Content Placeholder 4">
@@ -36940,7 +36905,7 @@
             </p:txBody>
           </p:sp>
         </mc:Choice>
-        <mc:Fallback>
+        <mc:Fallback xmlns="">
           <p:sp>
             <p:nvSpPr>
               <p:cNvPr id="5" name="Content Placeholder 4">
@@ -36984,8 +36949,8 @@
           </p:sp>
         </mc:Fallback>
       </mc:AlternateContent>
-      <mc:AlternateContent xmlns:mc="http://schemas.openxmlformats.org/markup-compatibility/2006">
-        <mc:Choice xmlns:p14="http://schemas.microsoft.com/office/powerpoint/2010/main" Requires="p14">
+      <mc:AlternateContent xmlns:mc="http://schemas.openxmlformats.org/markup-compatibility/2006" xmlns:p14="http://schemas.microsoft.com/office/powerpoint/2010/main">
+        <mc:Choice Requires="p14">
           <p:contentPart p14:bwMode="auto" r:id="rId4">
             <p14:nvContentPartPr>
               <p14:cNvPr id="2" name="Ink 1">
@@ -37004,7 +36969,7 @@
             </p14:xfrm>
           </p:contentPart>
         </mc:Choice>
-        <mc:Fallback>
+        <mc:Fallback xmlns="">
           <p:pic>
             <p:nvPicPr>
               <p:cNvPr id="2" name="Ink 1">
@@ -39608,8 +39573,8 @@
           </p:sp>
         </mc:Fallback>
       </mc:AlternateContent>
-      <mc:AlternateContent xmlns:mc="http://schemas.openxmlformats.org/markup-compatibility/2006">
-        <mc:Choice xmlns:p14="http://schemas.microsoft.com/office/powerpoint/2010/main" Requires="p14">
+      <mc:AlternateContent xmlns:mc="http://schemas.openxmlformats.org/markup-compatibility/2006" xmlns:p14="http://schemas.microsoft.com/office/powerpoint/2010/main">
+        <mc:Choice Requires="p14">
           <p:contentPart p14:bwMode="auto" r:id="rId4">
             <p14:nvContentPartPr>
               <p14:cNvPr id="5" name="Ink 4">
@@ -39628,7 +39593,7 @@
             </p14:xfrm>
           </p:contentPart>
         </mc:Choice>
-        <mc:Fallback>
+        <mc:Fallback xmlns="">
           <p:pic>
             <p:nvPicPr>
               <p:cNvPr id="5" name="Ink 4">
@@ -40704,8 +40669,8 @@
           </a:p>
         </p:txBody>
       </p:sp>
-      <mc:AlternateContent xmlns:mc="http://schemas.openxmlformats.org/markup-compatibility/2006">
-        <mc:Choice xmlns:a14="http://schemas.microsoft.com/office/drawing/2010/main" Requires="a14">
+      <mc:AlternateContent xmlns:mc="http://schemas.openxmlformats.org/markup-compatibility/2006" xmlns:a14="http://schemas.microsoft.com/office/drawing/2010/main">
+        <mc:Choice Requires="a14">
           <p:sp>
             <p:nvSpPr>
               <p:cNvPr id="5" name="Content Placeholder 4">
@@ -41367,7 +41332,7 @@
             </p:txBody>
           </p:sp>
         </mc:Choice>
-        <mc:Fallback>
+        <mc:Fallback xmlns="">
           <p:sp>
             <p:nvSpPr>
               <p:cNvPr id="5" name="Content Placeholder 4">
@@ -41411,8 +41376,8 @@
           </p:sp>
         </mc:Fallback>
       </mc:AlternateContent>
-      <mc:AlternateContent xmlns:mc="http://schemas.openxmlformats.org/markup-compatibility/2006">
-        <mc:Choice xmlns:p14="http://schemas.microsoft.com/office/powerpoint/2010/main" Requires="p14">
+      <mc:AlternateContent xmlns:mc="http://schemas.openxmlformats.org/markup-compatibility/2006" xmlns:p14="http://schemas.microsoft.com/office/powerpoint/2010/main">
+        <mc:Choice Requires="p14">
           <p:contentPart p14:bwMode="auto" r:id="rId3">
             <p14:nvContentPartPr>
               <p14:cNvPr id="10" name="Ink 9">
@@ -41431,7 +41396,7 @@
             </p14:xfrm>
           </p:contentPart>
         </mc:Choice>
-        <mc:Fallback>
+        <mc:Fallback xmlns="">
           <p:pic>
             <p:nvPicPr>
               <p:cNvPr id="10" name="Ink 9">
